--- a/graduation_thesis/figures/c5/c5.pptx
+++ b/graduation_thesis/figures/c5/c5.pptx
@@ -8,6 +8,7 @@
     <p:sldId id="256" r:id="rId2"/>
     <p:sldId id="257" r:id="rId3"/>
     <p:sldId id="258" r:id="rId4"/>
+    <p:sldId id="259" r:id="rId5"/>
   </p:sldIdLst>
   <p:sldSz cx="12192000" cy="6858000"/>
   <p:notesSz cx="6858000" cy="9144000"/>
@@ -261,7 +262,7 @@
           <a:p>
             <a:fld id="{A8F80009-123B-4441-AEF8-BE983F1542DB}" type="datetimeFigureOut">
               <a:rPr lang="zh-CN" altLang="en-US" smtClean="0"/>
-              <a:t>2020/4/24</a:t>
+              <a:t>2020/6/25</a:t>
             </a:fld>
             <a:endParaRPr lang="zh-CN" altLang="en-US"/>
           </a:p>
@@ -459,7 +460,7 @@
           <a:p>
             <a:fld id="{A8F80009-123B-4441-AEF8-BE983F1542DB}" type="datetimeFigureOut">
               <a:rPr lang="zh-CN" altLang="en-US" smtClean="0"/>
-              <a:t>2020/4/24</a:t>
+              <a:t>2020/6/25</a:t>
             </a:fld>
             <a:endParaRPr lang="zh-CN" altLang="en-US"/>
           </a:p>
@@ -667,7 +668,7 @@
           <a:p>
             <a:fld id="{A8F80009-123B-4441-AEF8-BE983F1542DB}" type="datetimeFigureOut">
               <a:rPr lang="zh-CN" altLang="en-US" smtClean="0"/>
-              <a:t>2020/4/24</a:t>
+              <a:t>2020/6/25</a:t>
             </a:fld>
             <a:endParaRPr lang="zh-CN" altLang="en-US"/>
           </a:p>
@@ -865,7 +866,7 @@
           <a:p>
             <a:fld id="{A8F80009-123B-4441-AEF8-BE983F1542DB}" type="datetimeFigureOut">
               <a:rPr lang="zh-CN" altLang="en-US" smtClean="0"/>
-              <a:t>2020/4/24</a:t>
+              <a:t>2020/6/25</a:t>
             </a:fld>
             <a:endParaRPr lang="zh-CN" altLang="en-US"/>
           </a:p>
@@ -1140,7 +1141,7 @@
           <a:p>
             <a:fld id="{A8F80009-123B-4441-AEF8-BE983F1542DB}" type="datetimeFigureOut">
               <a:rPr lang="zh-CN" altLang="en-US" smtClean="0"/>
-              <a:t>2020/4/24</a:t>
+              <a:t>2020/6/25</a:t>
             </a:fld>
             <a:endParaRPr lang="zh-CN" altLang="en-US"/>
           </a:p>
@@ -1405,7 +1406,7 @@
           <a:p>
             <a:fld id="{A8F80009-123B-4441-AEF8-BE983F1542DB}" type="datetimeFigureOut">
               <a:rPr lang="zh-CN" altLang="en-US" smtClean="0"/>
-              <a:t>2020/4/24</a:t>
+              <a:t>2020/6/25</a:t>
             </a:fld>
             <a:endParaRPr lang="zh-CN" altLang="en-US"/>
           </a:p>
@@ -1817,7 +1818,7 @@
           <a:p>
             <a:fld id="{A8F80009-123B-4441-AEF8-BE983F1542DB}" type="datetimeFigureOut">
               <a:rPr lang="zh-CN" altLang="en-US" smtClean="0"/>
-              <a:t>2020/4/24</a:t>
+              <a:t>2020/6/25</a:t>
             </a:fld>
             <a:endParaRPr lang="zh-CN" altLang="en-US"/>
           </a:p>
@@ -1958,7 +1959,7 @@
           <a:p>
             <a:fld id="{A8F80009-123B-4441-AEF8-BE983F1542DB}" type="datetimeFigureOut">
               <a:rPr lang="zh-CN" altLang="en-US" smtClean="0"/>
-              <a:t>2020/4/24</a:t>
+              <a:t>2020/6/25</a:t>
             </a:fld>
             <a:endParaRPr lang="zh-CN" altLang="en-US"/>
           </a:p>
@@ -2071,7 +2072,7 @@
           <a:p>
             <a:fld id="{A8F80009-123B-4441-AEF8-BE983F1542DB}" type="datetimeFigureOut">
               <a:rPr lang="zh-CN" altLang="en-US" smtClean="0"/>
-              <a:t>2020/4/24</a:t>
+              <a:t>2020/6/25</a:t>
             </a:fld>
             <a:endParaRPr lang="zh-CN" altLang="en-US"/>
           </a:p>
@@ -2382,7 +2383,7 @@
           <a:p>
             <a:fld id="{A8F80009-123B-4441-AEF8-BE983F1542DB}" type="datetimeFigureOut">
               <a:rPr lang="zh-CN" altLang="en-US" smtClean="0"/>
-              <a:t>2020/4/24</a:t>
+              <a:t>2020/6/25</a:t>
             </a:fld>
             <a:endParaRPr lang="zh-CN" altLang="en-US"/>
           </a:p>
@@ -2670,7 +2671,7 @@
           <a:p>
             <a:fld id="{A8F80009-123B-4441-AEF8-BE983F1542DB}" type="datetimeFigureOut">
               <a:rPr lang="zh-CN" altLang="en-US" smtClean="0"/>
-              <a:t>2020/4/24</a:t>
+              <a:t>2020/6/25</a:t>
             </a:fld>
             <a:endParaRPr lang="zh-CN" altLang="en-US"/>
           </a:p>
@@ -2911,7 +2912,7 @@
           <a:p>
             <a:fld id="{A8F80009-123B-4441-AEF8-BE983F1542DB}" type="datetimeFigureOut">
               <a:rPr lang="zh-CN" altLang="en-US" smtClean="0"/>
-              <a:t>2020/4/24</a:t>
+              <a:t>2020/6/25</a:t>
             </a:fld>
             <a:endParaRPr lang="zh-CN" altLang="en-US"/>
           </a:p>
@@ -3436,7 +3437,7 @@
           <a:graphicData uri="http://schemas.openxmlformats.org/presentationml/2006/ole">
             <mc:AlternateContent xmlns:mc="http://schemas.openxmlformats.org/markup-compatibility/2006">
               <mc:Choice xmlns:v="urn:schemas-microsoft-com:vml" Requires="v">
-                <p:oleObj spid="_x0000_s1060" name="Equation" r:id="rId4" imgW="685800" imgH="241200" progId="Equation.DSMT4">
+                <p:oleObj spid="_x0000_s1065" name="Equation" r:id="rId4" imgW="685800" imgH="241200" progId="Equation.DSMT4">
                   <p:embed/>
                 </p:oleObj>
               </mc:Choice>
@@ -3543,7 +3544,7 @@
           <a:graphicData uri="http://schemas.openxmlformats.org/presentationml/2006/ole">
             <mc:AlternateContent xmlns:mc="http://schemas.openxmlformats.org/markup-compatibility/2006">
               <mc:Choice xmlns:v="urn:schemas-microsoft-com:vml" Requires="v">
-                <p:oleObj spid="_x0000_s1061" name="Equation" r:id="rId6" imgW="723600" imgH="241200" progId="Equation.DSMT4">
+                <p:oleObj spid="_x0000_s1066" name="Equation" r:id="rId6" imgW="723600" imgH="241200" progId="Equation.DSMT4">
                   <p:embed/>
                 </p:oleObj>
               </mc:Choice>
@@ -3606,7 +3607,7 @@
           <a:graphicData uri="http://schemas.openxmlformats.org/presentationml/2006/ole">
             <mc:AlternateContent xmlns:mc="http://schemas.openxmlformats.org/markup-compatibility/2006">
               <mc:Choice xmlns:v="urn:schemas-microsoft-com:vml" Requires="v">
-                <p:oleObj spid="_x0000_s1062" name="Equation" r:id="rId8" imgW="583920" imgH="241200" progId="Equation.DSMT4">
+                <p:oleObj spid="_x0000_s1067" name="Equation" r:id="rId8" imgW="583920" imgH="241200" progId="Equation.DSMT4">
                   <p:embed/>
                 </p:oleObj>
               </mc:Choice>
@@ -3669,7 +3670,7 @@
           <a:graphicData uri="http://schemas.openxmlformats.org/presentationml/2006/ole">
             <mc:AlternateContent xmlns:mc="http://schemas.openxmlformats.org/markup-compatibility/2006">
               <mc:Choice xmlns:v="urn:schemas-microsoft-com:vml" Requires="v">
-                <p:oleObj spid="_x0000_s1063" name="Equation" r:id="rId10" imgW="660240" imgH="241200" progId="Equation.DSMT4">
+                <p:oleObj spid="_x0000_s1068" name="Equation" r:id="rId10" imgW="660240" imgH="241200" progId="Equation.DSMT4">
                   <p:embed/>
                 </p:oleObj>
               </mc:Choice>
@@ -3899,7 +3900,7 @@
           <a:graphicData uri="http://schemas.openxmlformats.org/presentationml/2006/ole">
             <mc:AlternateContent xmlns:mc="http://schemas.openxmlformats.org/markup-compatibility/2006">
               <mc:Choice xmlns:v="urn:schemas-microsoft-com:vml" Requires="v">
-                <p:oleObj spid="_x0000_s1064" name="Equation" r:id="rId13" imgW="114120" imgH="177480" progId="Equation.DSMT4">
+                <p:oleObj spid="_x0000_s1069" name="Equation" r:id="rId13" imgW="114120" imgH="177480" progId="Equation.DSMT4">
                   <p:embed/>
                 </p:oleObj>
               </mc:Choice>
@@ -4073,7 +4074,7 @@
           <a:graphicData uri="http://schemas.openxmlformats.org/presentationml/2006/ole">
             <mc:AlternateContent xmlns:mc="http://schemas.openxmlformats.org/markup-compatibility/2006">
               <mc:Choice xmlns:v="urn:schemas-microsoft-com:vml" Requires="v">
-                <p:oleObj spid="_x0000_s2052" name="Equation" r:id="rId4" imgW="317160" imgH="177480" progId="Equation.DSMT4">
+                <p:oleObj spid="_x0000_s2053" name="Equation" r:id="rId4" imgW="317160" imgH="177480" progId="Equation.DSMT4">
                   <p:embed/>
                 </p:oleObj>
               </mc:Choice>
@@ -4184,6 +4185,116 @@
     <p:extLst>
       <p:ext uri="{BB962C8B-B14F-4D97-AF65-F5344CB8AC3E}">
         <p14:creationId xmlns:p14="http://schemas.microsoft.com/office/powerpoint/2010/main" val="464699296"/>
+      </p:ext>
+    </p:extLst>
+  </p:cSld>
+  <p:clrMapOvr>
+    <a:masterClrMapping/>
+  </p:clrMapOvr>
+</p:sld>
+</file>
+
+<file path=ppt/slides/slide4.xml><?xml version="1.0" encoding="utf-8"?>
+<p:sld xmlns:a="http://schemas.openxmlformats.org/drawingml/2006/main" xmlns:r="http://schemas.openxmlformats.org/officeDocument/2006/relationships" xmlns:p="http://schemas.openxmlformats.org/presentationml/2006/main">
+  <p:cSld>
+    <p:spTree>
+      <p:nvGrpSpPr>
+        <p:cNvPr id="1" name=""/>
+        <p:cNvGrpSpPr/>
+        <p:nvPr/>
+      </p:nvGrpSpPr>
+      <p:grpSpPr>
+        <a:xfrm>
+          <a:off x="0" y="0"/>
+          <a:ext cx="0" cy="0"/>
+          <a:chOff x="0" y="0"/>
+          <a:chExt cx="0" cy="0"/>
+        </a:xfrm>
+      </p:grpSpPr>
+      <p:pic>
+        <p:nvPicPr>
+          <p:cNvPr id="3" name="图片 2" descr="地图的截图&#10;&#10;描述已自动生成">
+            <a:extLst>
+              <a:ext uri="{FF2B5EF4-FFF2-40B4-BE49-F238E27FC236}">
+                <a16:creationId xmlns:a16="http://schemas.microsoft.com/office/drawing/2014/main" id="{3B30F021-CD1A-4C1E-AFD1-882894B25AE5}"/>
+              </a:ext>
+            </a:extLst>
+          </p:cNvPr>
+          <p:cNvPicPr>
+            <a:picLocks noChangeAspect="1"/>
+          </p:cNvPicPr>
+          <p:nvPr/>
+        </p:nvPicPr>
+        <p:blipFill>
+          <a:blip r:embed="rId2">
+            <a:extLst>
+              <a:ext uri="{28A0092B-C50C-407E-A947-70E740481C1C}">
+                <a14:useLocalDpi xmlns:a14="http://schemas.microsoft.com/office/drawing/2010/main" val="0"/>
+              </a:ext>
+            </a:extLst>
+          </a:blip>
+          <a:stretch>
+            <a:fillRect/>
+          </a:stretch>
+        </p:blipFill>
+        <p:spPr>
+          <a:xfrm>
+            <a:off x="1847752" y="242813"/>
+            <a:ext cx="8496496" cy="6372373"/>
+          </a:xfrm>
+          <a:prstGeom prst="rect">
+            <a:avLst/>
+          </a:prstGeom>
+        </p:spPr>
+      </p:pic>
+      <p:sp>
+        <p:nvSpPr>
+          <p:cNvPr id="5" name="文本框 4">
+            <a:extLst>
+              <a:ext uri="{FF2B5EF4-FFF2-40B4-BE49-F238E27FC236}">
+                <a16:creationId xmlns:a16="http://schemas.microsoft.com/office/drawing/2014/main" id="{FF33A02D-7831-4589-BEE0-97CD02B6118E}"/>
+              </a:ext>
+            </a:extLst>
+          </p:cNvPr>
+          <p:cNvSpPr txBox="1"/>
+          <p:nvPr/>
+        </p:nvSpPr>
+        <p:spPr>
+          <a:xfrm rot="10800000">
+            <a:off x="1937941" y="2377909"/>
+            <a:ext cx="492443" cy="1649691"/>
+          </a:xfrm>
+          <a:prstGeom prst="rect">
+            <a:avLst/>
+          </a:prstGeom>
+          <a:solidFill>
+            <a:schemeClr val="bg1"/>
+          </a:solidFill>
+        </p:spPr>
+        <p:txBody>
+          <a:bodyPr vert="eaVert" wrap="square" rtlCol="0">
+            <a:spAutoFit/>
+          </a:bodyPr>
+          <a:lstStyle/>
+          <a:p>
+            <a:r>
+              <a:rPr lang="en-US" altLang="zh-CN" sz="2000" dirty="0">
+                <a:latin typeface="Times New Roman" panose="02020603050405020304" pitchFamily="18" charset="0"/>
+                <a:cs typeface="Times New Roman" panose="02020603050405020304" pitchFamily="18" charset="0"/>
+              </a:rPr>
+              <a:t>Control output</a:t>
+            </a:r>
+            <a:endParaRPr lang="zh-CN" altLang="en-US" sz="2000" dirty="0">
+              <a:latin typeface="Times New Roman" panose="02020603050405020304" pitchFamily="18" charset="0"/>
+              <a:cs typeface="Times New Roman" panose="02020603050405020304" pitchFamily="18" charset="0"/>
+            </a:endParaRPr>
+          </a:p>
+        </p:txBody>
+      </p:sp>
+    </p:spTree>
+    <p:extLst>
+      <p:ext uri="{BB962C8B-B14F-4D97-AF65-F5344CB8AC3E}">
+        <p14:creationId xmlns:p14="http://schemas.microsoft.com/office/powerpoint/2010/main" val="580442351"/>
       </p:ext>
     </p:extLst>
   </p:cSld>
